--- a/TypeScript/08_TypeScript_GENERICS.pptx
+++ b/TypeScript/08_TypeScript_GENERICS.pptx
@@ -5,7 +5,7 @@
     <p:sldMasterId id="2147483660" r:id="rId1"/>
   </p:sldMasterIdLst>
   <p:notesMasterIdLst>
-    <p:notesMasterId r:id="rId16"/>
+    <p:notesMasterId r:id="rId19"/>
   </p:notesMasterIdLst>
   <p:sldIdLst>
     <p:sldId id="256" r:id="rId2"/>
@@ -17,11 +17,14 @@
     <p:sldId id="262" r:id="rId8"/>
     <p:sldId id="263" r:id="rId9"/>
     <p:sldId id="264" r:id="rId10"/>
-    <p:sldId id="265" r:id="rId11"/>
-    <p:sldId id="266" r:id="rId12"/>
-    <p:sldId id="267" r:id="rId13"/>
-    <p:sldId id="268" r:id="rId14"/>
-    <p:sldId id="269" r:id="rId15"/>
+    <p:sldId id="270" r:id="rId11"/>
+    <p:sldId id="271" r:id="rId12"/>
+    <p:sldId id="272" r:id="rId13"/>
+    <p:sldId id="265" r:id="rId14"/>
+    <p:sldId id="266" r:id="rId15"/>
+    <p:sldId id="267" r:id="rId16"/>
+    <p:sldId id="268" r:id="rId17"/>
+    <p:sldId id="269" r:id="rId18"/>
   </p:sldIdLst>
   <p:sldSz cx="12192000" cy="6858000"/>
   <p:notesSz cx="6858000" cy="9144000"/>
@@ -150,6 +153,11 @@
       </a:defRPr>
     </a:lvl9pPr>
   </p:defaultTextStyle>
+  <p:extLst>
+    <p:ext uri="{EFAFB233-063F-42B5-8137-9DF3F51BA10A}">
+      <p15:sldGuideLst xmlns:p15="http://schemas.microsoft.com/office/powerpoint/2012/main"/>
+    </p:ext>
+  </p:extLst>
 </p:presentation>
 </file>
 
@@ -235,7 +243,7 @@
           <a:p>
             <a:fld id="{42D98268-D9D0-41E8-A465-C129EB24E442}" type="datetimeFigureOut">
               <a:rPr lang="en-US" smtClean="0"/>
-              <a:t>6/14/2023</a:t>
+              <a:t>6/16/2023</a:t>
             </a:fld>
             <a:endParaRPr lang="en-US"/>
           </a:p>
@@ -657,7 +665,7 @@
           <a:p>
             <a:fld id="{377CA22B-87B1-4C56-B4FA-BA30A4B8A2EA}" type="datetime1">
               <a:rPr lang="en-US" smtClean="0"/>
-              <a:t>6/14/2023</a:t>
+              <a:t>6/16/2023</a:t>
             </a:fld>
             <a:endParaRPr lang="en-US"/>
           </a:p>
@@ -4240,7 +4248,7 @@
           <a:p>
             <a:fld id="{C3F1FBF8-FA50-488F-961F-6A79D17570DF}" type="datetime1">
               <a:rPr lang="en-US" smtClean="0"/>
-              <a:t>6/14/2023</a:t>
+              <a:t>6/16/2023</a:t>
             </a:fld>
             <a:endParaRPr lang="en-US"/>
           </a:p>
@@ -4462,7 +4470,7 @@
           <a:p>
             <a:fld id="{677040EF-9B44-4162-B3BC-6B704E1C3DC3}" type="datetime1">
               <a:rPr lang="en-US" smtClean="0"/>
-              <a:t>6/14/2023</a:t>
+              <a:t>6/16/2023</a:t>
             </a:fld>
             <a:endParaRPr lang="en-US"/>
           </a:p>
@@ -4746,7 +4754,7 @@
           <a:p>
             <a:fld id="{006EE41E-EE1B-487E-9627-9F858331DB6B}" type="datetime1">
               <a:rPr lang="en-US" smtClean="0"/>
-              <a:t>6/14/2023</a:t>
+              <a:t>6/16/2023</a:t>
             </a:fld>
             <a:endParaRPr lang="en-US"/>
           </a:p>
@@ -4968,7 +4976,7 @@
           <a:p>
             <a:fld id="{F137CEB2-CD9B-4F07-819E-944073B05C7E}" type="datetime1">
               <a:rPr lang="en-US" smtClean="0"/>
-              <a:t>6/14/2023</a:t>
+              <a:t>6/16/2023</a:t>
             </a:fld>
             <a:endParaRPr lang="en-US"/>
           </a:p>
@@ -5202,7 +5210,7 @@
           <a:p>
             <a:fld id="{048776C3-412C-46A4-BD9B-6A299575BD20}" type="datetime1">
               <a:rPr lang="en-US" smtClean="0"/>
-              <a:t>6/14/2023</a:t>
+              <a:t>6/16/2023</a:t>
             </a:fld>
             <a:endParaRPr lang="en-US"/>
           </a:p>
@@ -5476,7 +5484,7 @@
           <a:p>
             <a:fld id="{C8818907-9460-4E27-95BD-093352D77E81}" type="datetime1">
               <a:rPr lang="en-US" smtClean="0"/>
-              <a:t>6/14/2023</a:t>
+              <a:t>6/16/2023</a:t>
             </a:fld>
             <a:endParaRPr lang="en-US"/>
           </a:p>
@@ -5885,7 +5893,7 @@
           <a:p>
             <a:fld id="{CFD45CAA-00AA-417D-AB7C-72569E6B4181}" type="datetime1">
               <a:rPr lang="en-US" smtClean="0"/>
-              <a:t>6/14/2023</a:t>
+              <a:t>6/16/2023</a:t>
             </a:fld>
             <a:endParaRPr lang="en-US"/>
           </a:p>
@@ -6045,7 +6053,7 @@
           <a:p>
             <a:fld id="{F84B2302-1049-48E8-A59F-060BD2FF7163}" type="datetime1">
               <a:rPr lang="en-US" smtClean="0"/>
-              <a:t>6/14/2023</a:t>
+              <a:t>6/16/2023</a:t>
             </a:fld>
             <a:endParaRPr lang="en-US"/>
           </a:p>
@@ -6182,7 +6190,7 @@
           <a:p>
             <a:fld id="{8B29EEF9-9E1E-46C4-91FE-636FB61F12C7}" type="datetime1">
               <a:rPr lang="en-US" smtClean="0"/>
-              <a:t>6/14/2023</a:t>
+              <a:t>6/16/2023</a:t>
             </a:fld>
             <a:endParaRPr lang="en-US"/>
           </a:p>
@@ -6501,7 +6509,7 @@
           <a:p>
             <a:fld id="{3A11AC2E-00FF-46ED-B853-D2D9BE47D194}" type="datetime1">
               <a:rPr lang="en-US" smtClean="0"/>
-              <a:t>6/14/2023</a:t>
+              <a:t>6/16/2023</a:t>
             </a:fld>
             <a:endParaRPr lang="en-US"/>
           </a:p>
@@ -6800,7 +6808,7 @@
           <a:p>
             <a:fld id="{EBA2D9A3-4560-4274-804F-88A4E61222CE}" type="datetime1">
               <a:rPr lang="en-US" smtClean="0"/>
-              <a:t>6/14/2023</a:t>
+              <a:t>6/16/2023</a:t>
             </a:fld>
             <a:endParaRPr lang="en-US"/>
           </a:p>
@@ -7202,7 +7210,7 @@
           <a:p>
             <a:fld id="{E62E94DE-3E1B-4922-AE90-54C83ABEAEF0}" type="datetime1">
               <a:rPr lang="en-US" smtClean="0"/>
-              <a:t>6/14/2023</a:t>
+              <a:t>6/16/2023</a:t>
             </a:fld>
             <a:endParaRPr lang="en-US"/>
           </a:p>
@@ -9633,7 +9641,7 @@
           <p:cNvPr id="2" name="Title 1">
             <a:extLst>
               <a:ext uri="{FF2B5EF4-FFF2-40B4-BE49-F238E27FC236}">
-                <a16:creationId xmlns:a16="http://schemas.microsoft.com/office/drawing/2014/main" id="{0326A8F8-1682-A39F-8BB1-23B622D39A77}"/>
+                <a16:creationId xmlns:a16="http://schemas.microsoft.com/office/drawing/2014/main" id="{AE08D674-6AB9-6731-EBC9-92B1B5E7C5E5}"/>
               </a:ext>
             </a:extLst>
           </p:cNvPr>
@@ -9641,7 +9649,7 @@
             <a:spLocks noGrp="1"/>
           </p:cNvSpPr>
           <p:nvPr>
-            <p:ph type="ctrTitle"/>
+            <p:ph type="title"/>
           </p:nvPr>
         </p:nvSpPr>
         <p:spPr/>
@@ -9651,17 +9659,17 @@
           <a:p>
             <a:r>
               <a:rPr lang="en-US" dirty="0"/>
-              <a:t>TypeScript Modules</a:t>
+              <a:t>Array&lt;Type&gt;</a:t>
             </a:r>
           </a:p>
         </p:txBody>
       </p:sp>
       <p:sp>
         <p:nvSpPr>
-          <p:cNvPr id="5" name="Subtitle 4">
+          <p:cNvPr id="3" name="Content Placeholder 2">
             <a:extLst>
               <a:ext uri="{FF2B5EF4-FFF2-40B4-BE49-F238E27FC236}">
-                <a16:creationId xmlns:a16="http://schemas.microsoft.com/office/drawing/2014/main" id="{630DF7CA-8C0B-1854-AB0B-D27A3F4746CF}"/>
+                <a16:creationId xmlns:a16="http://schemas.microsoft.com/office/drawing/2014/main" id="{6FBCCE9E-D9F2-08F3-CEFB-E015563A1F34}"/>
               </a:ext>
             </a:extLst>
           </p:cNvPr>
@@ -9669,7 +9677,7 @@
             <a:spLocks noGrp="1"/>
           </p:cNvSpPr>
           <p:nvPr>
-            <p:ph type="subTitle" idx="1"/>
+            <p:ph idx="1"/>
           </p:nvPr>
         </p:nvSpPr>
         <p:spPr/>
@@ -9677,7 +9685,224 @@
           <a:bodyPr/>
           <a:lstStyle/>
           <a:p>
-            <a:endParaRPr lang="en-US"/>
+            <a:r>
+              <a:rPr lang="en-US" sz="2400" dirty="0"/>
+              <a:t>Let us consider a function</a:t>
+            </a:r>
+          </a:p>
+          <a:p>
+            <a:pPr marL="0" indent="0">
+              <a:buNone/>
+            </a:pPr>
+            <a:r>
+              <a:rPr lang="en-US" sz="2400" dirty="0">
+                <a:highlight>
+                  <a:srgbClr val="FFFF00"/>
+                </a:highlight>
+              </a:rPr>
+              <a:t>function identity&lt;Type&gt;(</a:t>
+            </a:r>
+            <a:r>
+              <a:rPr lang="en-US" sz="2400" dirty="0" err="1">
+                <a:highlight>
+                  <a:srgbClr val="FFFF00"/>
+                </a:highlight>
+              </a:rPr>
+              <a:t>arg</a:t>
+            </a:r>
+            <a:r>
+              <a:rPr lang="en-US" sz="2400" dirty="0">
+                <a:highlight>
+                  <a:srgbClr val="FFFF00"/>
+                </a:highlight>
+              </a:rPr>
+              <a:t>: Type): Type {</a:t>
+            </a:r>
+          </a:p>
+          <a:p>
+            <a:pPr marL="0" indent="0">
+              <a:buNone/>
+            </a:pPr>
+            <a:r>
+              <a:rPr lang="en-US" sz="2400" dirty="0">
+                <a:highlight>
+                  <a:srgbClr val="FFFF00"/>
+                </a:highlight>
+              </a:rPr>
+              <a:t>  return </a:t>
+            </a:r>
+            <a:r>
+              <a:rPr lang="en-US" sz="2400" dirty="0" err="1">
+                <a:highlight>
+                  <a:srgbClr val="FFFF00"/>
+                </a:highlight>
+              </a:rPr>
+              <a:t>arg</a:t>
+            </a:r>
+            <a:r>
+              <a:rPr lang="en-US" sz="2400" dirty="0">
+                <a:highlight>
+                  <a:srgbClr val="FFFF00"/>
+                </a:highlight>
+              </a:rPr>
+              <a:t>;</a:t>
+            </a:r>
+          </a:p>
+          <a:p>
+            <a:pPr marL="0" indent="0">
+              <a:buNone/>
+            </a:pPr>
+            <a:r>
+              <a:rPr lang="en-US" sz="2400" dirty="0">
+                <a:highlight>
+                  <a:srgbClr val="FFFF00"/>
+                </a:highlight>
+              </a:rPr>
+              <a:t>}</a:t>
+            </a:r>
+          </a:p>
+          <a:p>
+            <a:r>
+              <a:rPr lang="en-US" sz="2400" dirty="0"/>
+              <a:t>What if we want to also log the length of the argument </a:t>
+            </a:r>
+            <a:r>
+              <a:rPr lang="en-US" sz="2400" dirty="0" err="1"/>
+              <a:t>arg</a:t>
+            </a:r>
+            <a:r>
+              <a:rPr lang="en-US" sz="2400" dirty="0"/>
+              <a:t> to the console with each call? We might be tempted to write this:</a:t>
+            </a:r>
+          </a:p>
+          <a:p>
+            <a:pPr marL="0" indent="0">
+              <a:buNone/>
+            </a:pPr>
+            <a:r>
+              <a:rPr lang="en-US" sz="2400" dirty="0">
+                <a:highlight>
+                  <a:srgbClr val="FFFF00"/>
+                </a:highlight>
+              </a:rPr>
+              <a:t>function </a:t>
+            </a:r>
+            <a:r>
+              <a:rPr lang="en-US" sz="2400" dirty="0" err="1">
+                <a:highlight>
+                  <a:srgbClr val="FFFF00"/>
+                </a:highlight>
+              </a:rPr>
+              <a:t>loggingIdentity</a:t>
+            </a:r>
+            <a:r>
+              <a:rPr lang="en-US" sz="2400" dirty="0">
+                <a:highlight>
+                  <a:srgbClr val="FFFF00"/>
+                </a:highlight>
+              </a:rPr>
+              <a:t>&lt;Type&gt;(</a:t>
+            </a:r>
+            <a:r>
+              <a:rPr lang="en-US" sz="2400" dirty="0" err="1">
+                <a:highlight>
+                  <a:srgbClr val="FFFF00"/>
+                </a:highlight>
+              </a:rPr>
+              <a:t>arg</a:t>
+            </a:r>
+            <a:r>
+              <a:rPr lang="en-US" sz="2400" dirty="0">
+                <a:highlight>
+                  <a:srgbClr val="FFFF00"/>
+                </a:highlight>
+              </a:rPr>
+              <a:t>: Type): Type {</a:t>
+            </a:r>
+          </a:p>
+          <a:p>
+            <a:pPr marL="0" indent="0">
+              <a:buNone/>
+            </a:pPr>
+            <a:r>
+              <a:rPr lang="en-US" sz="2400" dirty="0">
+                <a:highlight>
+                  <a:srgbClr val="FFFF00"/>
+                </a:highlight>
+              </a:rPr>
+              <a:t>  console.log(</a:t>
+            </a:r>
+            <a:r>
+              <a:rPr lang="en-US" sz="2400" dirty="0" err="1">
+                <a:highlight>
+                  <a:srgbClr val="FFFF00"/>
+                </a:highlight>
+              </a:rPr>
+              <a:t>arg.length</a:t>
+            </a:r>
+            <a:r>
+              <a:rPr lang="en-US" sz="2400" dirty="0">
+                <a:highlight>
+                  <a:srgbClr val="FFFF00"/>
+                </a:highlight>
+              </a:rPr>
+              <a:t>);</a:t>
+            </a:r>
+          </a:p>
+          <a:p>
+            <a:pPr marL="0" indent="0">
+              <a:buNone/>
+            </a:pPr>
+            <a:r>
+              <a:rPr lang="en-US" sz="2400" dirty="0">
+                <a:highlight>
+                  <a:srgbClr val="FFFF00"/>
+                </a:highlight>
+              </a:rPr>
+              <a:t>  return </a:t>
+            </a:r>
+            <a:r>
+              <a:rPr lang="en-US" sz="2400" dirty="0" err="1">
+                <a:highlight>
+                  <a:srgbClr val="FFFF00"/>
+                </a:highlight>
+              </a:rPr>
+              <a:t>arg</a:t>
+            </a:r>
+            <a:r>
+              <a:rPr lang="en-US" sz="2400" dirty="0">
+                <a:highlight>
+                  <a:srgbClr val="FFFF00"/>
+                </a:highlight>
+              </a:rPr>
+              <a:t>;</a:t>
+            </a:r>
+          </a:p>
+          <a:p>
+            <a:pPr marL="0" indent="0">
+              <a:buNone/>
+            </a:pPr>
+            <a:r>
+              <a:rPr lang="en-US" sz="2400" dirty="0">
+                <a:highlight>
+                  <a:srgbClr val="FFFF00"/>
+                </a:highlight>
+              </a:rPr>
+              <a:t>}</a:t>
+            </a:r>
+          </a:p>
+          <a:p>
+            <a:pPr marL="0" indent="0">
+              <a:buNone/>
+            </a:pPr>
+            <a:r>
+              <a:rPr lang="en-US" sz="2400" dirty="0">
+                <a:highlight>
+                  <a:srgbClr val="FF0000"/>
+                </a:highlight>
+              </a:rPr>
+              <a:t>Property 'length' does not exist on type 'Type'.</a:t>
+            </a:r>
           </a:p>
         </p:txBody>
       </p:sp>
@@ -9686,7 +9911,7 @@
           <p:cNvPr id="4" name="Slide Number Placeholder 3">
             <a:extLst>
               <a:ext uri="{FF2B5EF4-FFF2-40B4-BE49-F238E27FC236}">
-                <a16:creationId xmlns:a16="http://schemas.microsoft.com/office/drawing/2014/main" id="{0F7B76D6-AFAE-6B4C-1AB2-9A998B45265A}"/>
+                <a16:creationId xmlns:a16="http://schemas.microsoft.com/office/drawing/2014/main" id="{A597E027-7C3D-9DF0-F523-C433DF1F7204}"/>
               </a:ext>
             </a:extLst>
           </p:cNvPr>
@@ -9694,7 +9919,7 @@
             <a:spLocks noGrp="1"/>
           </p:cNvSpPr>
           <p:nvPr>
-            <p:ph type="sldNum" sz="quarter" idx="4"/>
+            <p:ph type="sldNum" sz="quarter" idx="12"/>
           </p:nvPr>
         </p:nvSpPr>
         <p:spPr/>
@@ -9713,7 +9938,7 @@
     </p:spTree>
     <p:extLst>
       <p:ext uri="{BB962C8B-B14F-4D97-AF65-F5344CB8AC3E}">
-        <p14:creationId xmlns:p14="http://schemas.microsoft.com/office/powerpoint/2010/main" val="3499219257"/>
+        <p14:creationId xmlns:p14="http://schemas.microsoft.com/office/powerpoint/2010/main" val="3892020717"/>
       </p:ext>
     </p:extLst>
   </p:cSld>
@@ -9745,7 +9970,7 @@
           <p:cNvPr id="2" name="Title 1">
             <a:extLst>
               <a:ext uri="{FF2B5EF4-FFF2-40B4-BE49-F238E27FC236}">
-                <a16:creationId xmlns:a16="http://schemas.microsoft.com/office/drawing/2014/main" id="{30A20EF3-C0FC-FD80-84F5-D0D637B7873F}"/>
+                <a16:creationId xmlns:a16="http://schemas.microsoft.com/office/drawing/2014/main" id="{E5CE5F79-EBA5-D3ED-182E-EE9838689DBE}"/>
               </a:ext>
             </a:extLst>
           </p:cNvPr>
@@ -9763,7 +9988,7 @@
           <a:p>
             <a:r>
               <a:rPr lang="en-US" dirty="0"/>
-              <a:t>TypeScript Modules</a:t>
+              <a:t>Array&lt;Type&gt;</a:t>
             </a:r>
           </a:p>
         </p:txBody>
@@ -9773,7 +9998,7 @@
           <p:cNvPr id="3" name="Content Placeholder 2">
             <a:extLst>
               <a:ext uri="{FF2B5EF4-FFF2-40B4-BE49-F238E27FC236}">
-                <a16:creationId xmlns:a16="http://schemas.microsoft.com/office/drawing/2014/main" id="{E8D75B86-30EA-B8D6-0ACE-F298A5B96EEB}"/>
+                <a16:creationId xmlns:a16="http://schemas.microsoft.com/office/drawing/2014/main" id="{635B8254-1F80-CF5F-30A5-1DC422B0A4BE}"/>
               </a:ext>
             </a:extLst>
           </p:cNvPr>
@@ -9790,26 +10015,152 @@
           <a:lstStyle/>
           <a:p>
             <a:r>
-              <a:rPr lang="en-US" sz="2400" dirty="0"/>
-              <a:t>A TypeScript module can contain both declarations and code. </a:t>
-            </a:r>
-          </a:p>
-          <a:p>
-            <a:r>
-              <a:rPr lang="en-US" sz="2400" dirty="0"/>
-              <a:t>A module executes within its own scope, not in the global scope. </a:t>
-            </a:r>
-          </a:p>
-          <a:p>
-            <a:r>
-              <a:rPr lang="en-US" sz="2400" dirty="0"/>
-              <a:t>It means that when you declare variables, functions, classes, interfaces, etc., in a module, they are not visible outside the module unless you explicitly export them using export statement.</a:t>
-            </a:r>
-          </a:p>
-          <a:p>
-            <a:r>
-              <a:rPr lang="en-US" sz="2400" dirty="0"/>
-              <a:t>On the other hand, if you want to access variables, functions, classes, etc., from a module, you need to import them using the import statement.</a:t>
+              <a:rPr lang="en-US" sz="2300" dirty="0"/>
+              <a:t>When we do, the compiler will give us an error that we’re using the .length member of </a:t>
+            </a:r>
+            <a:r>
+              <a:rPr lang="en-US" sz="2300" dirty="0" err="1"/>
+              <a:t>arg</a:t>
+            </a:r>
+            <a:r>
+              <a:rPr lang="en-US" sz="2300" dirty="0"/>
+              <a:t>, but nowhere have we said that </a:t>
+            </a:r>
+            <a:r>
+              <a:rPr lang="en-US" sz="2300" dirty="0" err="1"/>
+              <a:t>arg</a:t>
+            </a:r>
+            <a:r>
+              <a:rPr lang="en-US" sz="2300" dirty="0"/>
+              <a:t> has this member. </a:t>
+            </a:r>
+          </a:p>
+          <a:p>
+            <a:r>
+              <a:rPr lang="en-US" sz="2300" dirty="0"/>
+              <a:t>Remember, we said earlier that these type variables stand in for any and all types, so someone using this function could have passed in a number instead, which does not have a .length member.</a:t>
+            </a:r>
+          </a:p>
+          <a:p>
+            <a:r>
+              <a:rPr lang="en-US" sz="2300" dirty="0"/>
+              <a:t>Let’s say that we’ve actually intended this function to work on arrays of Type rather than Type directly. Since we’re working with arrays, the .length member should be available. We can describe this just like we would create arrays of other types:</a:t>
+            </a:r>
+          </a:p>
+          <a:p>
+            <a:pPr marL="0" indent="0">
+              <a:buNone/>
+            </a:pPr>
+            <a:r>
+              <a:rPr lang="en-US" sz="2300" dirty="0">
+                <a:highlight>
+                  <a:srgbClr val="FFFF00"/>
+                </a:highlight>
+              </a:rPr>
+              <a:t>function </a:t>
+            </a:r>
+            <a:r>
+              <a:rPr lang="en-US" sz="2300" dirty="0" err="1">
+                <a:highlight>
+                  <a:srgbClr val="FFFF00"/>
+                </a:highlight>
+              </a:rPr>
+              <a:t>loggingIdentity</a:t>
+            </a:r>
+            <a:r>
+              <a:rPr lang="en-US" sz="2300" dirty="0">
+                <a:highlight>
+                  <a:srgbClr val="FFFF00"/>
+                </a:highlight>
+              </a:rPr>
+              <a:t>&lt;Type&gt;(</a:t>
+            </a:r>
+            <a:r>
+              <a:rPr lang="en-US" sz="2300" dirty="0" err="1">
+                <a:highlight>
+                  <a:srgbClr val="FFFF00"/>
+                </a:highlight>
+              </a:rPr>
+              <a:t>arg</a:t>
+            </a:r>
+            <a:r>
+              <a:rPr lang="en-US" sz="2300" dirty="0">
+                <a:highlight>
+                  <a:srgbClr val="FFFF00"/>
+                </a:highlight>
+              </a:rPr>
+              <a:t>: Type[]): Type[] {</a:t>
+            </a:r>
+          </a:p>
+          <a:p>
+            <a:pPr marL="0" indent="0">
+              <a:buNone/>
+            </a:pPr>
+            <a:r>
+              <a:rPr lang="en-US" sz="2300" dirty="0">
+                <a:highlight>
+                  <a:srgbClr val="FFFF00"/>
+                </a:highlight>
+              </a:rPr>
+              <a:t>  console.log(</a:t>
+            </a:r>
+            <a:r>
+              <a:rPr lang="en-US" sz="2300" dirty="0" err="1">
+                <a:highlight>
+                  <a:srgbClr val="FFFF00"/>
+                </a:highlight>
+              </a:rPr>
+              <a:t>arg.length</a:t>
+            </a:r>
+            <a:r>
+              <a:rPr lang="en-US" sz="2300" dirty="0">
+                <a:highlight>
+                  <a:srgbClr val="FFFF00"/>
+                </a:highlight>
+              </a:rPr>
+              <a:t>);</a:t>
+            </a:r>
+          </a:p>
+          <a:p>
+            <a:pPr marL="0" indent="0">
+              <a:buNone/>
+            </a:pPr>
+            <a:r>
+              <a:rPr lang="en-US" sz="2300" dirty="0">
+                <a:highlight>
+                  <a:srgbClr val="FFFF00"/>
+                </a:highlight>
+              </a:rPr>
+              <a:t>  return </a:t>
+            </a:r>
+            <a:r>
+              <a:rPr lang="en-US" sz="2300" dirty="0" err="1">
+                <a:highlight>
+                  <a:srgbClr val="FFFF00"/>
+                </a:highlight>
+              </a:rPr>
+              <a:t>arg</a:t>
+            </a:r>
+            <a:r>
+              <a:rPr lang="en-US" sz="2300" dirty="0">
+                <a:highlight>
+                  <a:srgbClr val="FFFF00"/>
+                </a:highlight>
+              </a:rPr>
+              <a:t>;</a:t>
+            </a:r>
+          </a:p>
+          <a:p>
+            <a:pPr marL="0" indent="0">
+              <a:buNone/>
+            </a:pPr>
+            <a:r>
+              <a:rPr lang="en-US" sz="2300" dirty="0">
+                <a:highlight>
+                  <a:srgbClr val="FFFF00"/>
+                </a:highlight>
+              </a:rPr>
+              <a:t>}</a:t>
             </a:r>
           </a:p>
         </p:txBody>
@@ -9819,7 +10170,7 @@
           <p:cNvPr id="4" name="Slide Number Placeholder 3">
             <a:extLst>
               <a:ext uri="{FF2B5EF4-FFF2-40B4-BE49-F238E27FC236}">
-                <a16:creationId xmlns:a16="http://schemas.microsoft.com/office/drawing/2014/main" id="{31D1AFC1-F1F6-34E6-EDDA-FC4DDA1C86BF}"/>
+                <a16:creationId xmlns:a16="http://schemas.microsoft.com/office/drawing/2014/main" id="{82655050-40F1-7634-17DE-CC7C2C9137B3}"/>
               </a:ext>
             </a:extLst>
           </p:cNvPr>
@@ -9846,7 +10197,7 @@
     </p:spTree>
     <p:extLst>
       <p:ext uri="{BB962C8B-B14F-4D97-AF65-F5344CB8AC3E}">
-        <p14:creationId xmlns:p14="http://schemas.microsoft.com/office/powerpoint/2010/main" val="579847159"/>
+        <p14:creationId xmlns:p14="http://schemas.microsoft.com/office/powerpoint/2010/main" val="1372426312"/>
       </p:ext>
     </p:extLst>
   </p:cSld>
@@ -9878,7 +10229,7 @@
           <p:cNvPr id="2" name="Title 1">
             <a:extLst>
               <a:ext uri="{FF2B5EF4-FFF2-40B4-BE49-F238E27FC236}">
-                <a16:creationId xmlns:a16="http://schemas.microsoft.com/office/drawing/2014/main" id="{30989511-FE34-E715-F2EB-9145C288509D}"/>
+                <a16:creationId xmlns:a16="http://schemas.microsoft.com/office/drawing/2014/main" id="{2C4F370D-599C-B86C-A58D-7A9C18AA28E8}"/>
               </a:ext>
             </a:extLst>
           </p:cNvPr>
@@ -9896,7 +10247,7 @@
           <a:p>
             <a:r>
               <a:rPr lang="en-US" dirty="0"/>
-              <a:t>Creating a new module</a:t>
+              <a:t>Array&lt;Type&gt;</a:t>
             </a:r>
           </a:p>
         </p:txBody>
@@ -9906,7 +10257,7 @@
           <p:cNvPr id="3" name="Content Placeholder 2">
             <a:extLst>
               <a:ext uri="{FF2B5EF4-FFF2-40B4-BE49-F238E27FC236}">
-                <a16:creationId xmlns:a16="http://schemas.microsoft.com/office/drawing/2014/main" id="{24BEF2A3-7739-84FD-3928-D9DC4B3DD8A4}"/>
+                <a16:creationId xmlns:a16="http://schemas.microsoft.com/office/drawing/2014/main" id="{63FF8716-A88A-1862-1C91-5DE817549481}"/>
               </a:ext>
             </a:extLst>
           </p:cNvPr>
@@ -9923,42 +10274,169 @@
           <a:lstStyle/>
           <a:p>
             <a:r>
-              <a:rPr lang="en-US" dirty="0"/>
-              <a:t>The following creates a new module called </a:t>
-            </a:r>
-            <a:r>
-              <a:rPr lang="en-US" dirty="0" err="1"/>
-              <a:t>Validator.ts</a:t>
-            </a:r>
-            <a:r>
-              <a:rPr lang="en-US" dirty="0"/>
-              <a:t> and declares an interface named Validator</a:t>
-            </a:r>
-          </a:p>
-          <a:p>
-            <a:endParaRPr lang="en-US" dirty="0"/>
-          </a:p>
-          <a:p>
-            <a:endParaRPr lang="en-US" dirty="0"/>
-          </a:p>
-          <a:p>
-            <a:r>
-              <a:rPr lang="en-US" dirty="0"/>
-              <a:t>In this module, we place the export keyword before the interface keyword to expose it to other modules.</a:t>
-            </a:r>
-          </a:p>
-          <a:p>
-            <a:r>
-              <a:rPr lang="en-US" dirty="0"/>
-              <a:t>In other words, if you do not use the export keyword, the Validator interface is private in the </a:t>
-            </a:r>
-            <a:r>
-              <a:rPr lang="en-US" dirty="0" err="1"/>
-              <a:t>Validator.ts</a:t>
-            </a:r>
-            <a:r>
-              <a:rPr lang="en-US" dirty="0"/>
-              <a:t> module, therefore, it cannot be used by other modules.</a:t>
+              <a:rPr lang="en-US" sz="2200" dirty="0"/>
+              <a:t>You can read the type of </a:t>
+            </a:r>
+            <a:r>
+              <a:rPr lang="en-US" sz="2200" dirty="0" err="1"/>
+              <a:t>loggingIdentity</a:t>
+            </a:r>
+            <a:r>
+              <a:rPr lang="en-US" sz="2200" dirty="0"/>
+              <a:t> as “the generic function </a:t>
+            </a:r>
+            <a:r>
+              <a:rPr lang="en-US" sz="2200" dirty="0" err="1"/>
+              <a:t>loggingIdentity</a:t>
+            </a:r>
+            <a:r>
+              <a:rPr lang="en-US" sz="2200" dirty="0"/>
+              <a:t> takes a type parameter Type, and an argument </a:t>
+            </a:r>
+            <a:r>
+              <a:rPr lang="en-US" sz="2200" dirty="0" err="1"/>
+              <a:t>arg</a:t>
+            </a:r>
+            <a:r>
+              <a:rPr lang="en-US" sz="2200" dirty="0"/>
+              <a:t> which is an array of Types, and returns an array of Types.” </a:t>
+            </a:r>
+          </a:p>
+          <a:p>
+            <a:r>
+              <a:rPr lang="en-US" sz="2200" dirty="0"/>
+              <a:t>If we passed in an array of numbers, we’d get an array of numbers back out, as Type would bind to number. </a:t>
+            </a:r>
+          </a:p>
+          <a:p>
+            <a:r>
+              <a:rPr lang="en-US" sz="2200" dirty="0"/>
+              <a:t>This allows us to use our generic type variable Type as part of the types we’re working with, rather than the whole type, giving us greater flexibility.</a:t>
+            </a:r>
+          </a:p>
+          <a:p>
+            <a:r>
+              <a:rPr lang="en-US" sz="2200" dirty="0"/>
+              <a:t>We can alternatively write the sample example this way:</a:t>
+            </a:r>
+          </a:p>
+          <a:p>
+            <a:endParaRPr lang="en-US" sz="2200" dirty="0"/>
+          </a:p>
+          <a:p>
+            <a:pPr marL="0" indent="0">
+              <a:buNone/>
+            </a:pPr>
+            <a:r>
+              <a:rPr lang="en-US" sz="2200" dirty="0">
+                <a:highlight>
+                  <a:srgbClr val="FFFF00"/>
+                </a:highlight>
+              </a:rPr>
+              <a:t>function </a:t>
+            </a:r>
+            <a:r>
+              <a:rPr lang="en-US" sz="2200" dirty="0" err="1">
+                <a:highlight>
+                  <a:srgbClr val="FFFF00"/>
+                </a:highlight>
+              </a:rPr>
+              <a:t>loggingIdentity</a:t>
+            </a:r>
+            <a:r>
+              <a:rPr lang="en-US" sz="2200" dirty="0">
+                <a:highlight>
+                  <a:srgbClr val="FFFF00"/>
+                </a:highlight>
+              </a:rPr>
+              <a:t>&lt;Type&gt;(</a:t>
+            </a:r>
+            <a:r>
+              <a:rPr lang="en-US" sz="2200" dirty="0" err="1">
+                <a:highlight>
+                  <a:srgbClr val="FFFF00"/>
+                </a:highlight>
+              </a:rPr>
+              <a:t>arg</a:t>
+            </a:r>
+            <a:r>
+              <a:rPr lang="en-US" sz="2200" dirty="0">
+                <a:highlight>
+                  <a:srgbClr val="FFFF00"/>
+                </a:highlight>
+              </a:rPr>
+              <a:t>: Array&lt;Type&gt;): Array&lt;Type&gt; {</a:t>
+            </a:r>
+          </a:p>
+          <a:p>
+            <a:pPr marL="0" indent="0">
+              <a:buNone/>
+            </a:pPr>
+            <a:r>
+              <a:rPr lang="en-US" sz="2200" dirty="0">
+                <a:highlight>
+                  <a:srgbClr val="FFFF00"/>
+                </a:highlight>
+              </a:rPr>
+              <a:t>  console.log(</a:t>
+            </a:r>
+            <a:r>
+              <a:rPr lang="en-US" sz="2200" dirty="0" err="1">
+                <a:highlight>
+                  <a:srgbClr val="FFFF00"/>
+                </a:highlight>
+              </a:rPr>
+              <a:t>arg.length</a:t>
+            </a:r>
+            <a:r>
+              <a:rPr lang="en-US" sz="2200" dirty="0">
+                <a:highlight>
+                  <a:srgbClr val="FFFF00"/>
+                </a:highlight>
+              </a:rPr>
+              <a:t>); // Array has a .length, so no more error</a:t>
+            </a:r>
+          </a:p>
+          <a:p>
+            <a:pPr marL="0" indent="0">
+              <a:buNone/>
+            </a:pPr>
+            <a:r>
+              <a:rPr lang="en-US" sz="2200" dirty="0">
+                <a:highlight>
+                  <a:srgbClr val="FFFF00"/>
+                </a:highlight>
+              </a:rPr>
+              <a:t>  return </a:t>
+            </a:r>
+            <a:r>
+              <a:rPr lang="en-US" sz="2200" dirty="0" err="1">
+                <a:highlight>
+                  <a:srgbClr val="FFFF00"/>
+                </a:highlight>
+              </a:rPr>
+              <a:t>arg</a:t>
+            </a:r>
+            <a:r>
+              <a:rPr lang="en-US" sz="2200" dirty="0">
+                <a:highlight>
+                  <a:srgbClr val="FFFF00"/>
+                </a:highlight>
+              </a:rPr>
+              <a:t>;</a:t>
+            </a:r>
+          </a:p>
+          <a:p>
+            <a:pPr marL="0" indent="0">
+              <a:buNone/>
+            </a:pPr>
+            <a:r>
+              <a:rPr lang="en-US" sz="2200" dirty="0">
+                <a:highlight>
+                  <a:srgbClr val="FFFF00"/>
+                </a:highlight>
+              </a:rPr>
+              <a:t>}</a:t>
             </a:r>
           </a:p>
         </p:txBody>
@@ -9968,7 +10446,7 @@
           <p:cNvPr id="4" name="Slide Number Placeholder 3">
             <a:extLst>
               <a:ext uri="{FF2B5EF4-FFF2-40B4-BE49-F238E27FC236}">
-                <a16:creationId xmlns:a16="http://schemas.microsoft.com/office/drawing/2014/main" id="{FD3FD8FE-D4EC-DD51-FF67-47A56E95E2F4}"/>
+                <a16:creationId xmlns:a16="http://schemas.microsoft.com/office/drawing/2014/main" id="{FBA314C2-2689-8B47-03D6-83C370B8EB2A}"/>
               </a:ext>
             </a:extLst>
           </p:cNvPr>
@@ -9987,6 +10465,400 @@
             <a:fld id="{544E56DC-4B20-485D-987F-292322734CDA}" type="slidenum">
               <a:rPr lang="en-US" smtClean="0"/>
               <a:t>12</a:t>
+            </a:fld>
+            <a:endParaRPr lang="en-US"/>
+          </a:p>
+        </p:txBody>
+      </p:sp>
+    </p:spTree>
+    <p:extLst>
+      <p:ext uri="{BB962C8B-B14F-4D97-AF65-F5344CB8AC3E}">
+        <p14:creationId xmlns:p14="http://schemas.microsoft.com/office/powerpoint/2010/main" val="964093379"/>
+      </p:ext>
+    </p:extLst>
+  </p:cSld>
+  <p:clrMapOvr>
+    <a:masterClrMapping/>
+  </p:clrMapOvr>
+</p:sld>
+</file>
+
+<file path=ppt/slides/slide13.xml><?xml version="1.0" encoding="utf-8"?>
+<p:sld xmlns:a="http://schemas.openxmlformats.org/drawingml/2006/main" xmlns:r="http://schemas.openxmlformats.org/officeDocument/2006/relationships" xmlns:p="http://schemas.openxmlformats.org/presentationml/2006/main">
+  <p:cSld>
+    <p:spTree>
+      <p:nvGrpSpPr>
+        <p:cNvPr id="1" name=""/>
+        <p:cNvGrpSpPr/>
+        <p:nvPr/>
+      </p:nvGrpSpPr>
+      <p:grpSpPr>
+        <a:xfrm>
+          <a:off x="0" y="0"/>
+          <a:ext cx="0" cy="0"/>
+          <a:chOff x="0" y="0"/>
+          <a:chExt cx="0" cy="0"/>
+        </a:xfrm>
+      </p:grpSpPr>
+      <p:sp>
+        <p:nvSpPr>
+          <p:cNvPr id="2" name="Title 1">
+            <a:extLst>
+              <a:ext uri="{FF2B5EF4-FFF2-40B4-BE49-F238E27FC236}">
+                <a16:creationId xmlns:a16="http://schemas.microsoft.com/office/drawing/2014/main" id="{0326A8F8-1682-A39F-8BB1-23B622D39A77}"/>
+              </a:ext>
+            </a:extLst>
+          </p:cNvPr>
+          <p:cNvSpPr>
+            <a:spLocks noGrp="1"/>
+          </p:cNvSpPr>
+          <p:nvPr>
+            <p:ph type="ctrTitle"/>
+          </p:nvPr>
+        </p:nvSpPr>
+        <p:spPr/>
+        <p:txBody>
+          <a:bodyPr/>
+          <a:lstStyle/>
+          <a:p>
+            <a:r>
+              <a:rPr lang="en-US" dirty="0"/>
+              <a:t>TypeScript Modules</a:t>
+            </a:r>
+          </a:p>
+        </p:txBody>
+      </p:sp>
+      <p:sp>
+        <p:nvSpPr>
+          <p:cNvPr id="5" name="Subtitle 4">
+            <a:extLst>
+              <a:ext uri="{FF2B5EF4-FFF2-40B4-BE49-F238E27FC236}">
+                <a16:creationId xmlns:a16="http://schemas.microsoft.com/office/drawing/2014/main" id="{630DF7CA-8C0B-1854-AB0B-D27A3F4746CF}"/>
+              </a:ext>
+            </a:extLst>
+          </p:cNvPr>
+          <p:cNvSpPr>
+            <a:spLocks noGrp="1"/>
+          </p:cNvSpPr>
+          <p:nvPr>
+            <p:ph type="subTitle" idx="1"/>
+          </p:nvPr>
+        </p:nvSpPr>
+        <p:spPr/>
+        <p:txBody>
+          <a:bodyPr/>
+          <a:lstStyle/>
+          <a:p>
+            <a:endParaRPr lang="en-US"/>
+          </a:p>
+        </p:txBody>
+      </p:sp>
+      <p:sp>
+        <p:nvSpPr>
+          <p:cNvPr id="4" name="Slide Number Placeholder 3">
+            <a:extLst>
+              <a:ext uri="{FF2B5EF4-FFF2-40B4-BE49-F238E27FC236}">
+                <a16:creationId xmlns:a16="http://schemas.microsoft.com/office/drawing/2014/main" id="{0F7B76D6-AFAE-6B4C-1AB2-9A998B45265A}"/>
+              </a:ext>
+            </a:extLst>
+          </p:cNvPr>
+          <p:cNvSpPr>
+            <a:spLocks noGrp="1"/>
+          </p:cNvSpPr>
+          <p:nvPr>
+            <p:ph type="sldNum" sz="quarter" idx="4"/>
+          </p:nvPr>
+        </p:nvSpPr>
+        <p:spPr/>
+        <p:txBody>
+          <a:bodyPr/>
+          <a:lstStyle/>
+          <a:p>
+            <a:fld id="{544E56DC-4B20-485D-987F-292322734CDA}" type="slidenum">
+              <a:rPr lang="en-US" smtClean="0"/>
+              <a:t>13</a:t>
+            </a:fld>
+            <a:endParaRPr lang="en-US"/>
+          </a:p>
+        </p:txBody>
+      </p:sp>
+    </p:spTree>
+    <p:extLst>
+      <p:ext uri="{BB962C8B-B14F-4D97-AF65-F5344CB8AC3E}">
+        <p14:creationId xmlns:p14="http://schemas.microsoft.com/office/powerpoint/2010/main" val="3499219257"/>
+      </p:ext>
+    </p:extLst>
+  </p:cSld>
+  <p:clrMapOvr>
+    <a:masterClrMapping/>
+  </p:clrMapOvr>
+</p:sld>
+</file>
+
+<file path=ppt/slides/slide14.xml><?xml version="1.0" encoding="utf-8"?>
+<p:sld xmlns:a="http://schemas.openxmlformats.org/drawingml/2006/main" xmlns:r="http://schemas.openxmlformats.org/officeDocument/2006/relationships" xmlns:p="http://schemas.openxmlformats.org/presentationml/2006/main">
+  <p:cSld>
+    <p:spTree>
+      <p:nvGrpSpPr>
+        <p:cNvPr id="1" name=""/>
+        <p:cNvGrpSpPr/>
+        <p:nvPr/>
+      </p:nvGrpSpPr>
+      <p:grpSpPr>
+        <a:xfrm>
+          <a:off x="0" y="0"/>
+          <a:ext cx="0" cy="0"/>
+          <a:chOff x="0" y="0"/>
+          <a:chExt cx="0" cy="0"/>
+        </a:xfrm>
+      </p:grpSpPr>
+      <p:sp>
+        <p:nvSpPr>
+          <p:cNvPr id="2" name="Title 1">
+            <a:extLst>
+              <a:ext uri="{FF2B5EF4-FFF2-40B4-BE49-F238E27FC236}">
+                <a16:creationId xmlns:a16="http://schemas.microsoft.com/office/drawing/2014/main" id="{30A20EF3-C0FC-FD80-84F5-D0D637B7873F}"/>
+              </a:ext>
+            </a:extLst>
+          </p:cNvPr>
+          <p:cNvSpPr>
+            <a:spLocks noGrp="1"/>
+          </p:cNvSpPr>
+          <p:nvPr>
+            <p:ph type="title"/>
+          </p:nvPr>
+        </p:nvSpPr>
+        <p:spPr/>
+        <p:txBody>
+          <a:bodyPr/>
+          <a:lstStyle/>
+          <a:p>
+            <a:r>
+              <a:rPr lang="en-US" dirty="0"/>
+              <a:t>TypeScript Modules</a:t>
+            </a:r>
+          </a:p>
+        </p:txBody>
+      </p:sp>
+      <p:sp>
+        <p:nvSpPr>
+          <p:cNvPr id="3" name="Content Placeholder 2">
+            <a:extLst>
+              <a:ext uri="{FF2B5EF4-FFF2-40B4-BE49-F238E27FC236}">
+                <a16:creationId xmlns:a16="http://schemas.microsoft.com/office/drawing/2014/main" id="{E8D75B86-30EA-B8D6-0ACE-F298A5B96EEB}"/>
+              </a:ext>
+            </a:extLst>
+          </p:cNvPr>
+          <p:cNvSpPr>
+            <a:spLocks noGrp="1"/>
+          </p:cNvSpPr>
+          <p:nvPr>
+            <p:ph idx="1"/>
+          </p:nvPr>
+        </p:nvSpPr>
+        <p:spPr/>
+        <p:txBody>
+          <a:bodyPr/>
+          <a:lstStyle/>
+          <a:p>
+            <a:r>
+              <a:rPr lang="en-US" sz="2400" dirty="0"/>
+              <a:t>A TypeScript module can contain both declarations and code. </a:t>
+            </a:r>
+          </a:p>
+          <a:p>
+            <a:r>
+              <a:rPr lang="en-US" sz="2400" dirty="0"/>
+              <a:t>A module executes within its own scope, not in the global scope. </a:t>
+            </a:r>
+          </a:p>
+          <a:p>
+            <a:r>
+              <a:rPr lang="en-US" sz="2400" dirty="0"/>
+              <a:t>It means that when you declare variables, functions, classes, interfaces, etc., in a module, they are not visible outside the module unless you explicitly export them using export statement.</a:t>
+            </a:r>
+          </a:p>
+          <a:p>
+            <a:r>
+              <a:rPr lang="en-US" sz="2400" dirty="0"/>
+              <a:t>On the other hand, if you want to access variables, functions, classes, etc., from a module, you need to import them using the import statement.</a:t>
+            </a:r>
+          </a:p>
+        </p:txBody>
+      </p:sp>
+      <p:sp>
+        <p:nvSpPr>
+          <p:cNvPr id="4" name="Slide Number Placeholder 3">
+            <a:extLst>
+              <a:ext uri="{FF2B5EF4-FFF2-40B4-BE49-F238E27FC236}">
+                <a16:creationId xmlns:a16="http://schemas.microsoft.com/office/drawing/2014/main" id="{31D1AFC1-F1F6-34E6-EDDA-FC4DDA1C86BF}"/>
+              </a:ext>
+            </a:extLst>
+          </p:cNvPr>
+          <p:cNvSpPr>
+            <a:spLocks noGrp="1"/>
+          </p:cNvSpPr>
+          <p:nvPr>
+            <p:ph type="sldNum" sz="quarter" idx="12"/>
+          </p:nvPr>
+        </p:nvSpPr>
+        <p:spPr/>
+        <p:txBody>
+          <a:bodyPr/>
+          <a:lstStyle/>
+          <a:p>
+            <a:fld id="{544E56DC-4B20-485D-987F-292322734CDA}" type="slidenum">
+              <a:rPr lang="en-US" smtClean="0"/>
+              <a:t>14</a:t>
+            </a:fld>
+            <a:endParaRPr lang="en-US"/>
+          </a:p>
+        </p:txBody>
+      </p:sp>
+    </p:spTree>
+    <p:extLst>
+      <p:ext uri="{BB962C8B-B14F-4D97-AF65-F5344CB8AC3E}">
+        <p14:creationId xmlns:p14="http://schemas.microsoft.com/office/powerpoint/2010/main" val="579847159"/>
+      </p:ext>
+    </p:extLst>
+  </p:cSld>
+  <p:clrMapOvr>
+    <a:masterClrMapping/>
+  </p:clrMapOvr>
+</p:sld>
+</file>
+
+<file path=ppt/slides/slide15.xml><?xml version="1.0" encoding="utf-8"?>
+<p:sld xmlns:a="http://schemas.openxmlformats.org/drawingml/2006/main" xmlns:r="http://schemas.openxmlformats.org/officeDocument/2006/relationships" xmlns:p="http://schemas.openxmlformats.org/presentationml/2006/main">
+  <p:cSld>
+    <p:spTree>
+      <p:nvGrpSpPr>
+        <p:cNvPr id="1" name=""/>
+        <p:cNvGrpSpPr/>
+        <p:nvPr/>
+      </p:nvGrpSpPr>
+      <p:grpSpPr>
+        <a:xfrm>
+          <a:off x="0" y="0"/>
+          <a:ext cx="0" cy="0"/>
+          <a:chOff x="0" y="0"/>
+          <a:chExt cx="0" cy="0"/>
+        </a:xfrm>
+      </p:grpSpPr>
+      <p:sp>
+        <p:nvSpPr>
+          <p:cNvPr id="2" name="Title 1">
+            <a:extLst>
+              <a:ext uri="{FF2B5EF4-FFF2-40B4-BE49-F238E27FC236}">
+                <a16:creationId xmlns:a16="http://schemas.microsoft.com/office/drawing/2014/main" id="{30989511-FE34-E715-F2EB-9145C288509D}"/>
+              </a:ext>
+            </a:extLst>
+          </p:cNvPr>
+          <p:cNvSpPr>
+            <a:spLocks noGrp="1"/>
+          </p:cNvSpPr>
+          <p:nvPr>
+            <p:ph type="title"/>
+          </p:nvPr>
+        </p:nvSpPr>
+        <p:spPr/>
+        <p:txBody>
+          <a:bodyPr/>
+          <a:lstStyle/>
+          <a:p>
+            <a:r>
+              <a:rPr lang="en-US" dirty="0"/>
+              <a:t>Creating a new module</a:t>
+            </a:r>
+          </a:p>
+        </p:txBody>
+      </p:sp>
+      <p:sp>
+        <p:nvSpPr>
+          <p:cNvPr id="3" name="Content Placeholder 2">
+            <a:extLst>
+              <a:ext uri="{FF2B5EF4-FFF2-40B4-BE49-F238E27FC236}">
+                <a16:creationId xmlns:a16="http://schemas.microsoft.com/office/drawing/2014/main" id="{24BEF2A3-7739-84FD-3928-D9DC4B3DD8A4}"/>
+              </a:ext>
+            </a:extLst>
+          </p:cNvPr>
+          <p:cNvSpPr>
+            <a:spLocks noGrp="1"/>
+          </p:cNvSpPr>
+          <p:nvPr>
+            <p:ph idx="1"/>
+          </p:nvPr>
+        </p:nvSpPr>
+        <p:spPr/>
+        <p:txBody>
+          <a:bodyPr/>
+          <a:lstStyle/>
+          <a:p>
+            <a:r>
+              <a:rPr lang="en-US" dirty="0"/>
+              <a:t>The following creates a new module called </a:t>
+            </a:r>
+            <a:r>
+              <a:rPr lang="en-US" dirty="0" err="1"/>
+              <a:t>Validator.ts</a:t>
+            </a:r>
+            <a:r>
+              <a:rPr lang="en-US" dirty="0"/>
+              <a:t> and declares an interface named Validator</a:t>
+            </a:r>
+          </a:p>
+          <a:p>
+            <a:endParaRPr lang="en-US" dirty="0"/>
+          </a:p>
+          <a:p>
+            <a:endParaRPr lang="en-US" dirty="0"/>
+          </a:p>
+          <a:p>
+            <a:r>
+              <a:rPr lang="en-US" dirty="0"/>
+              <a:t>In this module, we place the export keyword before the interface keyword to expose it to other modules.</a:t>
+            </a:r>
+          </a:p>
+          <a:p>
+            <a:r>
+              <a:rPr lang="en-US" dirty="0"/>
+              <a:t>In other words, if you do not use the export keyword, the Validator interface is private in the </a:t>
+            </a:r>
+            <a:r>
+              <a:rPr lang="en-US" dirty="0" err="1"/>
+              <a:t>Validator.ts</a:t>
+            </a:r>
+            <a:r>
+              <a:rPr lang="en-US" dirty="0"/>
+              <a:t> module, therefore, it cannot be used by other modules.</a:t>
+            </a:r>
+          </a:p>
+        </p:txBody>
+      </p:sp>
+      <p:sp>
+        <p:nvSpPr>
+          <p:cNvPr id="4" name="Slide Number Placeholder 3">
+            <a:extLst>
+              <a:ext uri="{FF2B5EF4-FFF2-40B4-BE49-F238E27FC236}">
+                <a16:creationId xmlns:a16="http://schemas.microsoft.com/office/drawing/2014/main" id="{FD3FD8FE-D4EC-DD51-FF67-47A56E95E2F4}"/>
+              </a:ext>
+            </a:extLst>
+          </p:cNvPr>
+          <p:cNvSpPr>
+            <a:spLocks noGrp="1"/>
+          </p:cNvSpPr>
+          <p:nvPr>
+            <p:ph type="sldNum" sz="quarter" idx="12"/>
+          </p:nvPr>
+        </p:nvSpPr>
+        <p:spPr/>
+        <p:txBody>
+          <a:bodyPr/>
+          <a:lstStyle/>
+          <a:p>
+            <a:fld id="{544E56DC-4B20-485D-987F-292322734CDA}" type="slidenum">
+              <a:rPr lang="en-US" smtClean="0"/>
+              <a:t>15</a:t>
             </a:fld>
             <a:endParaRPr lang="en-US"/>
           </a:p>
@@ -10035,7 +10907,7 @@
 </p:sld>
 </file>
 
-<file path=ppt/slides/slide13.xml><?xml version="1.0" encoding="utf-8"?>
+<file path=ppt/slides/slide16.xml><?xml version="1.0" encoding="utf-8"?>
 <p:sld xmlns:a="http://schemas.openxmlformats.org/drawingml/2006/main" xmlns:r="http://schemas.openxmlformats.org/officeDocument/2006/relationships" xmlns:p="http://schemas.openxmlformats.org/presentationml/2006/main">
   <p:cSld>
     <p:spTree>
@@ -10131,7 +11003,7 @@
           <a:p>
             <a:fld id="{544E56DC-4B20-485D-987F-292322734CDA}" type="slidenum">
               <a:rPr lang="en-US" smtClean="0"/>
-              <a:t>13</a:t>
+              <a:t>16</a:t>
             </a:fld>
             <a:endParaRPr lang="en-US"/>
           </a:p>
@@ -10180,7 +11052,7 @@
 </p:sld>
 </file>
 
-<file path=ppt/slides/slide14.xml><?xml version="1.0" encoding="utf-8"?>
+<file path=ppt/slides/slide17.xml><?xml version="1.0" encoding="utf-8"?>
 <p:sld xmlns:a="http://schemas.openxmlformats.org/drawingml/2006/main" xmlns:r="http://schemas.openxmlformats.org/officeDocument/2006/relationships" xmlns:p="http://schemas.openxmlformats.org/presentationml/2006/main">
   <p:cSld>
     <p:spTree>
@@ -10298,7 +11170,7 @@
           <a:p>
             <a:fld id="{544E56DC-4B20-485D-987F-292322734CDA}" type="slidenum">
               <a:rPr lang="en-US" smtClean="0"/>
-              <a:t>14</a:t>
+              <a:t>17</a:t>
             </a:fld>
             <a:endParaRPr lang="en-US"/>
           </a:p>
